--- a/проект призентация яндекс.pptx
+++ b/проект призентация яндекс.pptx
@@ -391,7 +391,7 @@
             <a:pPr rtl="0"/>
             <a:fld id="{01DE3701-6BD3-4C26-8B98-D8271490F5AE}" type="datetime1">
               <a:rPr lang="ru-RU" noProof="0" smtClean="0"/>
-              <a:t>10.11.2023</a:t>
+              <a:t>11.11.2023</a:t>
             </a:fld>
             <a:endParaRPr lang="ru-RU" noProof="0"/>
           </a:p>
@@ -12445,7 +12445,7 @@
               <a:rPr lang="ru-RU" noProof="0" smtClean="0">
                 <a:latin typeface="+mn-lt"/>
               </a:rPr>
-              <a:t>10 ноября 2023 г.</a:t>
+              <a:t>11 ноября 2023 г.</a:t>
             </a:fld>
             <a:endParaRPr lang="ru-RU" noProof="0">
               <a:latin typeface="+mn-lt"/>
@@ -14940,24 +14940,6 @@
       </p:grpSpPr>
       <p:sp>
         <p:nvSpPr>
-          <p:cNvPr id="2" name="Рисунок 1">
-            <a:extLst>
-              <a:ext uri="{FF2B5EF4-FFF2-40B4-BE49-F238E27FC236}">
-                <a16:creationId xmlns:a16="http://schemas.microsoft.com/office/drawing/2014/main" id="{62B51A8B-8446-42B2-A048-8648C041FE97}"/>
-              </a:ext>
-            </a:extLst>
-          </p:cNvPr>
-          <p:cNvSpPr>
-            <a:spLocks noGrp="1"/>
-          </p:cNvSpPr>
-          <p:nvPr>
-            <p:ph type="pic" sz="quarter" idx="13"/>
-          </p:nvPr>
-        </p:nvSpPr>
-        <p:spPr/>
-      </p:sp>
-      <p:sp>
-        <p:nvSpPr>
           <p:cNvPr id="3" name="Заголовок 2">
             <a:extLst>
               <a:ext uri="{FF2B5EF4-FFF2-40B4-BE49-F238E27FC236}">
@@ -15002,12 +14984,32 @@
             <p:ph type="body" sz="quarter" idx="11"/>
           </p:nvPr>
         </p:nvSpPr>
-        <p:spPr/>
+        <p:spPr>
+          <a:xfrm>
+            <a:off x="3809999" y="2402379"/>
+            <a:ext cx="4572001" cy="2795232"/>
+          </a:xfrm>
+        </p:spPr>
         <p:txBody>
           <a:bodyPr/>
           <a:lstStyle/>
           <a:p>
-            <a:endParaRPr lang="ru-RU" dirty="0"/>
+            <a:r>
+              <a:rPr lang="ru-RU" sz="2400" dirty="0">
+                <a:latin typeface="Times New Roman" panose="02020603050405020304" pitchFamily="18" charset="0"/>
+                <a:cs typeface="Times New Roman" panose="02020603050405020304" pitchFamily="18" charset="0"/>
+              </a:rPr>
+              <a:t>В ходе выполнения этой работы, были невыполненные все задачи.</a:t>
+            </a:r>
+          </a:p>
+          <a:p>
+            <a:r>
+              <a:rPr lang="ru-RU" sz="2400" dirty="0">
+                <a:latin typeface="Times New Roman" panose="02020603050405020304" pitchFamily="18" charset="0"/>
+                <a:cs typeface="Times New Roman" panose="02020603050405020304" pitchFamily="18" charset="0"/>
+              </a:rPr>
+              <a:t>Однако я довольна проделанной работой, хоть он получился сыроватый, мне было интересно работать над ним</a:t>
+            </a:r>
           </a:p>
         </p:txBody>
       </p:sp>
@@ -18155,21 +18157,21 @@
 </file>
 
 <file path=customXml/item1.xml><?xml version="1.0" encoding="utf-8"?>
+<?mso-contentType ?>
+<FormTemplates xmlns="http://schemas.microsoft.com/sharepoint/v3/contenttype/forms">
+  <Display>DocumentLibraryForm</Display>
+  <Edit>DocumentLibraryForm</Edit>
+  <New>DocumentLibraryForm</New>
+</FormTemplates>
+</file>
+
+<file path=customXml/item2.xml><?xml version="1.0" encoding="utf-8"?>
 <p:properties xmlns:p="http://schemas.microsoft.com/office/2006/metadata/properties" xmlns:xsi="http://www.w3.org/2001/XMLSchema-instance" xmlns:pc="http://schemas.microsoft.com/office/infopath/2007/PartnerControls">
   <documentManagement>
     <Status xmlns="71af3243-3dd4-4a8d-8c0d-dd76da1f02a5">Not started</Status>
     <MediaServiceKeyPoints xmlns="71af3243-3dd4-4a8d-8c0d-dd76da1f02a5" xsi:nil="true"/>
   </documentManagement>
 </p:properties>
-</file>
-
-<file path=customXml/item2.xml><?xml version="1.0" encoding="utf-8"?>
-<?mso-contentType ?>
-<FormTemplates xmlns="http://schemas.microsoft.com/sharepoint/v3/contenttype/forms">
-  <Display>DocumentLibraryForm</Display>
-  <Edit>DocumentLibraryForm</Edit>
-  <New>DocumentLibraryForm</New>
-</FormTemplates>
 </file>
 
 <file path=customXml/item3.xml><?xml version="1.0" encoding="utf-8"?>
@@ -18394,19 +18396,19 @@
 </file>
 
 <file path=customXml/itemProps1.xml><?xml version="1.0" encoding="utf-8"?>
+<ds:datastoreItem xmlns:ds="http://schemas.openxmlformats.org/officeDocument/2006/customXml" ds:itemID="{F1446DA3-37A7-4516-A4F6-8B99D0D312BF}">
+  <ds:schemaRefs>
+    <ds:schemaRef ds:uri="http://schemas.microsoft.com/sharepoint/v3/contenttype/forms"/>
+  </ds:schemaRefs>
+</ds:datastoreItem>
+</file>
+
+<file path=customXml/itemProps2.xml><?xml version="1.0" encoding="utf-8"?>
 <ds:datastoreItem xmlns:ds="http://schemas.openxmlformats.org/officeDocument/2006/customXml" ds:itemID="{6CC8E66C-AC30-44BA-8882-3290DF968F1F}">
   <ds:schemaRefs>
     <ds:schemaRef ds:uri="http://schemas.microsoft.com/office/2006/metadata/properties"/>
     <ds:schemaRef ds:uri="http://schemas.microsoft.com/office/infopath/2007/PartnerControls"/>
     <ds:schemaRef ds:uri="71af3243-3dd4-4a8d-8c0d-dd76da1f02a5"/>
-  </ds:schemaRefs>
-</ds:datastoreItem>
-</file>
-
-<file path=customXml/itemProps2.xml><?xml version="1.0" encoding="utf-8"?>
-<ds:datastoreItem xmlns:ds="http://schemas.openxmlformats.org/officeDocument/2006/customXml" ds:itemID="{F1446DA3-37A7-4516-A4F6-8B99D0D312BF}">
-  <ds:schemaRefs>
-    <ds:schemaRef ds:uri="http://schemas.microsoft.com/sharepoint/v3/contenttype/forms"/>
   </ds:schemaRefs>
 </ds:datastoreItem>
 </file>

--- a/проект призентация яндекс.pptx
+++ b/проект призентация яндекс.pptx
@@ -18157,21 +18157,21 @@
 </file>
 
 <file path=customXml/item1.xml><?xml version="1.0" encoding="utf-8"?>
+<p:properties xmlns:p="http://schemas.microsoft.com/office/2006/metadata/properties" xmlns:xsi="http://www.w3.org/2001/XMLSchema-instance" xmlns:pc="http://schemas.microsoft.com/office/infopath/2007/PartnerControls">
+  <documentManagement>
+    <Status xmlns="71af3243-3dd4-4a8d-8c0d-dd76da1f02a5">Not started</Status>
+    <MediaServiceKeyPoints xmlns="71af3243-3dd4-4a8d-8c0d-dd76da1f02a5" xsi:nil="true"/>
+  </documentManagement>
+</p:properties>
+</file>
+
+<file path=customXml/item2.xml><?xml version="1.0" encoding="utf-8"?>
 <?mso-contentType ?>
 <FormTemplates xmlns="http://schemas.microsoft.com/sharepoint/v3/contenttype/forms">
   <Display>DocumentLibraryForm</Display>
   <Edit>DocumentLibraryForm</Edit>
   <New>DocumentLibraryForm</New>
 </FormTemplates>
-</file>
-
-<file path=customXml/item2.xml><?xml version="1.0" encoding="utf-8"?>
-<p:properties xmlns:p="http://schemas.microsoft.com/office/2006/metadata/properties" xmlns:xsi="http://www.w3.org/2001/XMLSchema-instance" xmlns:pc="http://schemas.microsoft.com/office/infopath/2007/PartnerControls">
-  <documentManagement>
-    <Status xmlns="71af3243-3dd4-4a8d-8c0d-dd76da1f02a5">Not started</Status>
-    <MediaServiceKeyPoints xmlns="71af3243-3dd4-4a8d-8c0d-dd76da1f02a5" xsi:nil="true"/>
-  </documentManagement>
-</p:properties>
 </file>
 
 <file path=customXml/item3.xml><?xml version="1.0" encoding="utf-8"?>
@@ -18396,19 +18396,19 @@
 </file>
 
 <file path=customXml/itemProps1.xml><?xml version="1.0" encoding="utf-8"?>
-<ds:datastoreItem xmlns:ds="http://schemas.openxmlformats.org/officeDocument/2006/customXml" ds:itemID="{F1446DA3-37A7-4516-A4F6-8B99D0D312BF}">
+<ds:datastoreItem xmlns:ds="http://schemas.openxmlformats.org/officeDocument/2006/customXml" ds:itemID="{6CC8E66C-AC30-44BA-8882-3290DF968F1F}">
   <ds:schemaRefs>
-    <ds:schemaRef ds:uri="http://schemas.microsoft.com/sharepoint/v3/contenttype/forms"/>
+    <ds:schemaRef ds:uri="http://schemas.microsoft.com/office/2006/metadata/properties"/>
+    <ds:schemaRef ds:uri="http://schemas.microsoft.com/office/infopath/2007/PartnerControls"/>
+    <ds:schemaRef ds:uri="71af3243-3dd4-4a8d-8c0d-dd76da1f02a5"/>
   </ds:schemaRefs>
 </ds:datastoreItem>
 </file>
 
 <file path=customXml/itemProps2.xml><?xml version="1.0" encoding="utf-8"?>
-<ds:datastoreItem xmlns:ds="http://schemas.openxmlformats.org/officeDocument/2006/customXml" ds:itemID="{6CC8E66C-AC30-44BA-8882-3290DF968F1F}">
+<ds:datastoreItem xmlns:ds="http://schemas.openxmlformats.org/officeDocument/2006/customXml" ds:itemID="{F1446DA3-37A7-4516-A4F6-8B99D0D312BF}">
   <ds:schemaRefs>
-    <ds:schemaRef ds:uri="http://schemas.microsoft.com/office/2006/metadata/properties"/>
-    <ds:schemaRef ds:uri="http://schemas.microsoft.com/office/infopath/2007/PartnerControls"/>
-    <ds:schemaRef ds:uri="71af3243-3dd4-4a8d-8c0d-dd76da1f02a5"/>
+    <ds:schemaRef ds:uri="http://schemas.microsoft.com/sharepoint/v3/contenttype/forms"/>
   </ds:schemaRefs>
 </ds:datastoreItem>
 </file>
